--- a/Lectures/Project Introduction.pptx
+++ b/Lectures/Project Introduction.pptx
@@ -5,21 +5,19 @@
     <p:sldMasterId id="2147483660" r:id="rId1"/>
   </p:sldMasterIdLst>
   <p:notesMasterIdLst>
-    <p:notesMasterId r:id="rId14"/>
+    <p:notesMasterId r:id="rId12"/>
   </p:notesMasterIdLst>
   <p:sldIdLst>
     <p:sldId id="278" r:id="rId2"/>
     <p:sldId id="285" r:id="rId3"/>
     <p:sldId id="286" r:id="rId4"/>
     <p:sldId id="289" r:id="rId5"/>
-    <p:sldId id="279" r:id="rId6"/>
-    <p:sldId id="280" r:id="rId7"/>
-    <p:sldId id="281" r:id="rId8"/>
-    <p:sldId id="282" r:id="rId9"/>
-    <p:sldId id="283" r:id="rId10"/>
-    <p:sldId id="287" r:id="rId11"/>
-    <p:sldId id="284" r:id="rId12"/>
-    <p:sldId id="288" r:id="rId13"/>
+    <p:sldId id="283" r:id="rId6"/>
+    <p:sldId id="287" r:id="rId7"/>
+    <p:sldId id="279" r:id="rId8"/>
+    <p:sldId id="280" r:id="rId9"/>
+    <p:sldId id="284" r:id="rId10"/>
+    <p:sldId id="288" r:id="rId11"/>
   </p:sldIdLst>
   <p:sldSz cx="12192000" cy="6858000"/>
   <p:notesSz cx="6858000" cy="9144000"/>
@@ -1549,34 +1547,34 @@
     </dgm:pt>
   </dgm:ptLst>
   <dgm:cxnLst>
+    <dgm:cxn modelId="{C2F86109-4011-4147-B610-CD206BA38D41}" type="presOf" srcId="{46478F40-40FE-4162-8D0E-F6D5FDF737A4}" destId="{9C505FDF-3484-4CD9-9D85-84BCB361E754}" srcOrd="0" destOrd="0" presId="urn:microsoft.com/office/officeart/2009/3/layout/HorizontalOrganizationChart"/>
+    <dgm:cxn modelId="{9E90C06B-A788-4734-9E1F-8F2D159FD860}" type="presOf" srcId="{0EFF9EDE-421B-41B7-881C-6905866358E6}" destId="{BCDB9231-6F7E-47BA-A271-896F6CE78C06}" srcOrd="1" destOrd="0" presId="urn:microsoft.com/office/officeart/2009/3/layout/HorizontalOrganizationChart"/>
+    <dgm:cxn modelId="{D419F099-B85F-443A-B6FF-67EE79B681BF}" type="presOf" srcId="{0EFF9EDE-421B-41B7-881C-6905866358E6}" destId="{6CECE873-66C3-4B80-B6C5-D022B763B565}" srcOrd="0" destOrd="0" presId="urn:microsoft.com/office/officeart/2009/3/layout/HorizontalOrganizationChart"/>
+    <dgm:cxn modelId="{BDCFE839-5020-4162-892A-DA06B7D3BADC}" type="presOf" srcId="{8E3E87F5-A8D8-4631-B315-B2EA2EDC7964}" destId="{2958CB5C-8348-4641-B304-87383A72C244}" srcOrd="1" destOrd="0" presId="urn:microsoft.com/office/officeart/2009/3/layout/HorizontalOrganizationChart"/>
+    <dgm:cxn modelId="{22133C03-EDF4-45BC-B99E-7AEDF9D26A71}" type="presOf" srcId="{ACF8EEA3-4E04-4844-BFE7-544F177F3A70}" destId="{733F8FE5-84F3-459C-96F2-F09A53BEF5FE}" srcOrd="0" destOrd="0" presId="urn:microsoft.com/office/officeart/2009/3/layout/HorizontalOrganizationChart"/>
+    <dgm:cxn modelId="{47EF3969-B927-4C0F-9786-3FB28D3DBD83}" type="presOf" srcId="{AA1B5398-5FA6-4363-A643-8366E9AB967D}" destId="{148FFCF0-53B7-4CEF-A10A-BC20D9550EFA}" srcOrd="0" destOrd="0" presId="urn:microsoft.com/office/officeart/2009/3/layout/HorizontalOrganizationChart"/>
+    <dgm:cxn modelId="{18CC7DC6-AD3C-4943-916E-946F063F1C4D}" type="presOf" srcId="{8E3E87F5-A8D8-4631-B315-B2EA2EDC7964}" destId="{B4B1E510-7514-4F7A-8A2E-964C59D1CEF1}" srcOrd="0" destOrd="0" presId="urn:microsoft.com/office/officeart/2009/3/layout/HorizontalOrganizationChart"/>
+    <dgm:cxn modelId="{70BA1B4B-1620-4931-8AE8-101FF02E1055}" type="presOf" srcId="{2CC9D857-C4B3-4D6A-B299-63DA827AF3FF}" destId="{453D325B-76AD-4D16-B2BA-1E14954F5979}" srcOrd="1" destOrd="0" presId="urn:microsoft.com/office/officeart/2009/3/layout/HorizontalOrganizationChart"/>
     <dgm:cxn modelId="{7CDB7470-D2E5-4071-BC9D-8D22D9B68833}" type="presOf" srcId="{AA1B5398-5FA6-4363-A643-8366E9AB967D}" destId="{AC86249D-7996-4299-909B-9764DA52E7CF}" srcOrd="1" destOrd="0" presId="urn:microsoft.com/office/officeart/2009/3/layout/HorizontalOrganizationChart"/>
+    <dgm:cxn modelId="{38387A35-4062-44A6-B357-1533A3003BB5}" type="presOf" srcId="{995423B1-C661-4B05-9B11-5EF986B70B95}" destId="{A3B1B216-F344-4B9A-8D98-E5A6DEB0448B}" srcOrd="1" destOrd="0" presId="urn:microsoft.com/office/officeart/2009/3/layout/HorizontalOrganizationChart"/>
+    <dgm:cxn modelId="{F68C1C85-3BE1-4ECF-B18B-E8BED6598C7F}" srcId="{0EFF9EDE-421B-41B7-881C-6905866358E6}" destId="{AA1B5398-5FA6-4363-A643-8366E9AB967D}" srcOrd="4" destOrd="0" parTransId="{46478F40-40FE-4162-8D0E-F6D5FDF737A4}" sibTransId="{A88FB005-48C4-42FF-9568-E5DAAF2E531B}"/>
+    <dgm:cxn modelId="{78EC5151-111E-4DAE-B44F-444F4534B1C4}" srcId="{0EFF9EDE-421B-41B7-881C-6905866358E6}" destId="{ACF8EEA3-4E04-4844-BFE7-544F177F3A70}" srcOrd="2" destOrd="0" parTransId="{6B599033-E1F4-4CC2-957D-6E20D2E92CB5}" sibTransId="{7B5EF05A-C6EE-4F1B-ADB9-17365E97A929}"/>
+    <dgm:cxn modelId="{CA35A88D-1E2C-4F2A-970E-E8A0B1BADB88}" type="presOf" srcId="{F1731D65-5D94-4A3C-81C8-A592F5548227}" destId="{9E21F213-6E02-4410-A798-D932F0EA573E}" srcOrd="0" destOrd="0" presId="urn:microsoft.com/office/officeart/2009/3/layout/HorizontalOrganizationChart"/>
+    <dgm:cxn modelId="{798921EE-935F-4A61-9631-AFD2BF36BC81}" type="presOf" srcId="{6B599033-E1F4-4CC2-957D-6E20D2E92CB5}" destId="{46C0E169-7D51-4170-AA9C-BC96C272A2D6}" srcOrd="0" destOrd="0" presId="urn:microsoft.com/office/officeart/2009/3/layout/HorizontalOrganizationChart"/>
+    <dgm:cxn modelId="{60EE1D92-A1F6-4C4D-AB9D-12866B6E8D09}" type="presOf" srcId="{ACF8EEA3-4E04-4844-BFE7-544F177F3A70}" destId="{75122767-5971-465B-9F3A-882C83D53E85}" srcOrd="1" destOrd="0" presId="urn:microsoft.com/office/officeart/2009/3/layout/HorizontalOrganizationChart"/>
+    <dgm:cxn modelId="{BD208664-D88C-449D-B88E-763B285727ED}" type="presOf" srcId="{03F4C837-AFC9-48D8-B9A4-5F87D75D0492}" destId="{6382E02A-C837-47C4-BCA0-DBFB651557D5}" srcOrd="0" destOrd="0" presId="urn:microsoft.com/office/officeart/2009/3/layout/HorizontalOrganizationChart"/>
     <dgm:cxn modelId="{314E826B-8395-4C62-9B60-D3BE788E7F1D}" srcId="{0EFF9EDE-421B-41B7-881C-6905866358E6}" destId="{2CC9D857-C4B3-4D6A-B299-63DA827AF3FF}" srcOrd="3" destOrd="0" parTransId="{1AFC02C7-63E7-4D3B-9452-001CEA978B37}" sibTransId="{DC14A7BE-4A60-4C07-91FC-A8407E82B69E}"/>
-    <dgm:cxn modelId="{CA35A88D-1E2C-4F2A-970E-E8A0B1BADB88}" type="presOf" srcId="{F1731D65-5D94-4A3C-81C8-A592F5548227}" destId="{9E21F213-6E02-4410-A798-D932F0EA573E}" srcOrd="0" destOrd="0" presId="urn:microsoft.com/office/officeart/2009/3/layout/HorizontalOrganizationChart"/>
-    <dgm:cxn modelId="{C76C6C9E-AE0B-41D6-8AC6-C5E8BB4C5B1E}" srcId="{0EFF9EDE-421B-41B7-881C-6905866358E6}" destId="{995423B1-C661-4B05-9B11-5EF986B70B95}" srcOrd="5" destOrd="0" parTransId="{AA0C900D-EE62-437E-8490-B83428C054B2}" sibTransId="{6E99C376-2567-421F-BA1E-645269EA88D7}"/>
-    <dgm:cxn modelId="{49AB6B07-C246-46B1-89DC-70B8E76C7663}" type="presOf" srcId="{A23FB54C-9FBD-407A-91C7-049DBB0A496C}" destId="{236459D9-F7FD-4D47-8D77-5A1976088603}" srcOrd="0" destOrd="0" presId="urn:microsoft.com/office/officeart/2009/3/layout/HorizontalOrganizationChart"/>
-    <dgm:cxn modelId="{4F78A9E8-565C-47F7-8FCA-ED91E6382EE3}" srcId="{A23FB54C-9FBD-407A-91C7-049DBB0A496C}" destId="{0EFF9EDE-421B-41B7-881C-6905866358E6}" srcOrd="0" destOrd="0" parTransId="{3EABF972-AB7C-4F44-979E-8EEF8A4BCC60}" sibTransId="{DBF73DA4-A557-4394-8D4D-EC47B47CF3D3}"/>
-    <dgm:cxn modelId="{9E90C06B-A788-4734-9E1F-8F2D159FD860}" type="presOf" srcId="{0EFF9EDE-421B-41B7-881C-6905866358E6}" destId="{BCDB9231-6F7E-47BA-A271-896F6CE78C06}" srcOrd="1" destOrd="0" presId="urn:microsoft.com/office/officeart/2009/3/layout/HorizontalOrganizationChart"/>
-    <dgm:cxn modelId="{F68C1C85-3BE1-4ECF-B18B-E8BED6598C7F}" srcId="{0EFF9EDE-421B-41B7-881C-6905866358E6}" destId="{AA1B5398-5FA6-4363-A643-8366E9AB967D}" srcOrd="4" destOrd="0" parTransId="{46478F40-40FE-4162-8D0E-F6D5FDF737A4}" sibTransId="{A88FB005-48C4-42FF-9568-E5DAAF2E531B}"/>
-    <dgm:cxn modelId="{C2F86109-4011-4147-B610-CD206BA38D41}" type="presOf" srcId="{46478F40-40FE-4162-8D0E-F6D5FDF737A4}" destId="{9C505FDF-3484-4CD9-9D85-84BCB361E754}" srcOrd="0" destOrd="0" presId="urn:microsoft.com/office/officeart/2009/3/layout/HorizontalOrganizationChart"/>
-    <dgm:cxn modelId="{6D5A3F7F-80E0-49CE-9883-A47B129CC834}" type="presOf" srcId="{E89A6FC7-5FE5-48E3-B863-6B0865D115ED}" destId="{4715A657-DED4-4C83-9E2F-963DAC5670EA}" srcOrd="0" destOrd="0" presId="urn:microsoft.com/office/officeart/2009/3/layout/HorizontalOrganizationChart"/>
-    <dgm:cxn modelId="{798921EE-935F-4A61-9631-AFD2BF36BC81}" type="presOf" srcId="{6B599033-E1F4-4CC2-957D-6E20D2E92CB5}" destId="{46C0E169-7D51-4170-AA9C-BC96C272A2D6}" srcOrd="0" destOrd="0" presId="urn:microsoft.com/office/officeart/2009/3/layout/HorizontalOrganizationChart"/>
-    <dgm:cxn modelId="{6EC75D09-2A40-4A76-83EC-16AA5A5FDD9F}" type="presOf" srcId="{2CC9D857-C4B3-4D6A-B299-63DA827AF3FF}" destId="{4645C6BA-1F81-4973-919D-1ABCD0635D6F}" srcOrd="0" destOrd="0" presId="urn:microsoft.com/office/officeart/2009/3/layout/HorizontalOrganizationChart"/>
-    <dgm:cxn modelId="{E8AC775D-48CC-425D-8359-3CA1850AEE13}" type="presOf" srcId="{E89A6FC7-5FE5-48E3-B863-6B0865D115ED}" destId="{B5235DFC-7FF0-4A66-8A84-3A441E517C1B}" srcOrd="1" destOrd="0" presId="urn:microsoft.com/office/officeart/2009/3/layout/HorizontalOrganizationChart"/>
-    <dgm:cxn modelId="{78EC5151-111E-4DAE-B44F-444F4534B1C4}" srcId="{0EFF9EDE-421B-41B7-881C-6905866358E6}" destId="{ACF8EEA3-4E04-4844-BFE7-544F177F3A70}" srcOrd="2" destOrd="0" parTransId="{6B599033-E1F4-4CC2-957D-6E20D2E92CB5}" sibTransId="{7B5EF05A-C6EE-4F1B-ADB9-17365E97A929}"/>
-    <dgm:cxn modelId="{38387A35-4062-44A6-B357-1533A3003BB5}" type="presOf" srcId="{995423B1-C661-4B05-9B11-5EF986B70B95}" destId="{A3B1B216-F344-4B9A-8D98-E5A6DEB0448B}" srcOrd="1" destOrd="0" presId="urn:microsoft.com/office/officeart/2009/3/layout/HorizontalOrganizationChart"/>
-    <dgm:cxn modelId="{47EF3969-B927-4C0F-9786-3FB28D3DBD83}" type="presOf" srcId="{AA1B5398-5FA6-4363-A643-8366E9AB967D}" destId="{148FFCF0-53B7-4CEF-A10A-BC20D9550EFA}" srcOrd="0" destOrd="0" presId="urn:microsoft.com/office/officeart/2009/3/layout/HorizontalOrganizationChart"/>
-    <dgm:cxn modelId="{9502AEE8-A4F1-455E-8D3F-4149FB7FBBF0}" type="presOf" srcId="{1AFC02C7-63E7-4D3B-9452-001CEA978B37}" destId="{63FA77BD-E377-481A-90AF-8B72819B2D6F}" srcOrd="0" destOrd="0" presId="urn:microsoft.com/office/officeart/2009/3/layout/HorizontalOrganizationChart"/>
-    <dgm:cxn modelId="{F0456920-AF19-413A-AFDD-6FA323E25697}" type="presOf" srcId="{AA0C900D-EE62-437E-8490-B83428C054B2}" destId="{14B60F69-BEAB-428C-BF59-2EDE75D74355}" srcOrd="0" destOrd="0" presId="urn:microsoft.com/office/officeart/2009/3/layout/HorizontalOrganizationChart"/>
-    <dgm:cxn modelId="{70BA1B4B-1620-4931-8AE8-101FF02E1055}" type="presOf" srcId="{2CC9D857-C4B3-4D6A-B299-63DA827AF3FF}" destId="{453D325B-76AD-4D16-B2BA-1E14954F5979}" srcOrd="1" destOrd="0" presId="urn:microsoft.com/office/officeart/2009/3/layout/HorizontalOrganizationChart"/>
-    <dgm:cxn modelId="{22133C03-EDF4-45BC-B99E-7AEDF9D26A71}" type="presOf" srcId="{ACF8EEA3-4E04-4844-BFE7-544F177F3A70}" destId="{733F8FE5-84F3-459C-96F2-F09A53BEF5FE}" srcOrd="0" destOrd="0" presId="urn:microsoft.com/office/officeart/2009/3/layout/HorizontalOrganizationChart"/>
-    <dgm:cxn modelId="{BD208664-D88C-449D-B88E-763B285727ED}" type="presOf" srcId="{03F4C837-AFC9-48D8-B9A4-5F87D75D0492}" destId="{6382E02A-C837-47C4-BCA0-DBFB651557D5}" srcOrd="0" destOrd="0" presId="urn:microsoft.com/office/officeart/2009/3/layout/HorizontalOrganizationChart"/>
-    <dgm:cxn modelId="{A43393CC-573F-4D69-A1C8-9BA43E34DB64}" srcId="{0EFF9EDE-421B-41B7-881C-6905866358E6}" destId="{E89A6FC7-5FE5-48E3-B863-6B0865D115ED}" srcOrd="0" destOrd="0" parTransId="{03F4C837-AFC9-48D8-B9A4-5F87D75D0492}" sibTransId="{85027682-9A57-474C-BB72-85179A37B5DF}"/>
     <dgm:cxn modelId="{611BCD92-887E-48D8-967C-8D46CF6490AF}" srcId="{0EFF9EDE-421B-41B7-881C-6905866358E6}" destId="{8E3E87F5-A8D8-4631-B315-B2EA2EDC7964}" srcOrd="1" destOrd="0" parTransId="{F1731D65-5D94-4A3C-81C8-A592F5548227}" sibTransId="{AC3C2A16-8659-41E5-B281-E8F566215E54}"/>
     <dgm:cxn modelId="{8F3241F0-6C51-4FCB-B6D0-C4DDBF43A7E6}" type="presOf" srcId="{995423B1-C661-4B05-9B11-5EF986B70B95}" destId="{3A0778AE-A7A8-4C7C-A39E-9FA8128DB97A}" srcOrd="0" destOrd="0" presId="urn:microsoft.com/office/officeart/2009/3/layout/HorizontalOrganizationChart"/>
-    <dgm:cxn modelId="{60EE1D92-A1F6-4C4D-AB9D-12866B6E8D09}" type="presOf" srcId="{ACF8EEA3-4E04-4844-BFE7-544F177F3A70}" destId="{75122767-5971-465B-9F3A-882C83D53E85}" srcOrd="1" destOrd="0" presId="urn:microsoft.com/office/officeart/2009/3/layout/HorizontalOrganizationChart"/>
-    <dgm:cxn modelId="{BDCFE839-5020-4162-892A-DA06B7D3BADC}" type="presOf" srcId="{8E3E87F5-A8D8-4631-B315-B2EA2EDC7964}" destId="{2958CB5C-8348-4641-B304-87383A72C244}" srcOrd="1" destOrd="0" presId="urn:microsoft.com/office/officeart/2009/3/layout/HorizontalOrganizationChart"/>
-    <dgm:cxn modelId="{18CC7DC6-AD3C-4943-916E-946F063F1C4D}" type="presOf" srcId="{8E3E87F5-A8D8-4631-B315-B2EA2EDC7964}" destId="{B4B1E510-7514-4F7A-8A2E-964C59D1CEF1}" srcOrd="0" destOrd="0" presId="urn:microsoft.com/office/officeart/2009/3/layout/HorizontalOrganizationChart"/>
-    <dgm:cxn modelId="{D419F099-B85F-443A-B6FF-67EE79B681BF}" type="presOf" srcId="{0EFF9EDE-421B-41B7-881C-6905866358E6}" destId="{6CECE873-66C3-4B80-B6C5-D022B763B565}" srcOrd="0" destOrd="0" presId="urn:microsoft.com/office/officeart/2009/3/layout/HorizontalOrganizationChart"/>
+    <dgm:cxn modelId="{4F78A9E8-565C-47F7-8FCA-ED91E6382EE3}" srcId="{A23FB54C-9FBD-407A-91C7-049DBB0A496C}" destId="{0EFF9EDE-421B-41B7-881C-6905866358E6}" srcOrd="0" destOrd="0" parTransId="{3EABF972-AB7C-4F44-979E-8EEF8A4BCC60}" sibTransId="{DBF73DA4-A557-4394-8D4D-EC47B47CF3D3}"/>
+    <dgm:cxn modelId="{F0456920-AF19-413A-AFDD-6FA323E25697}" type="presOf" srcId="{AA0C900D-EE62-437E-8490-B83428C054B2}" destId="{14B60F69-BEAB-428C-BF59-2EDE75D74355}" srcOrd="0" destOrd="0" presId="urn:microsoft.com/office/officeart/2009/3/layout/HorizontalOrganizationChart"/>
+    <dgm:cxn modelId="{A43393CC-573F-4D69-A1C8-9BA43E34DB64}" srcId="{0EFF9EDE-421B-41B7-881C-6905866358E6}" destId="{E89A6FC7-5FE5-48E3-B863-6B0865D115ED}" srcOrd="0" destOrd="0" parTransId="{03F4C837-AFC9-48D8-B9A4-5F87D75D0492}" sibTransId="{85027682-9A57-474C-BB72-85179A37B5DF}"/>
+    <dgm:cxn modelId="{49AB6B07-C246-46B1-89DC-70B8E76C7663}" type="presOf" srcId="{A23FB54C-9FBD-407A-91C7-049DBB0A496C}" destId="{236459D9-F7FD-4D47-8D77-5A1976088603}" srcOrd="0" destOrd="0" presId="urn:microsoft.com/office/officeart/2009/3/layout/HorizontalOrganizationChart"/>
+    <dgm:cxn modelId="{6EC75D09-2A40-4A76-83EC-16AA5A5FDD9F}" type="presOf" srcId="{2CC9D857-C4B3-4D6A-B299-63DA827AF3FF}" destId="{4645C6BA-1F81-4973-919D-1ABCD0635D6F}" srcOrd="0" destOrd="0" presId="urn:microsoft.com/office/officeart/2009/3/layout/HorizontalOrganizationChart"/>
+    <dgm:cxn modelId="{6D5A3F7F-80E0-49CE-9883-A47B129CC834}" type="presOf" srcId="{E89A6FC7-5FE5-48E3-B863-6B0865D115ED}" destId="{4715A657-DED4-4C83-9E2F-963DAC5670EA}" srcOrd="0" destOrd="0" presId="urn:microsoft.com/office/officeart/2009/3/layout/HorizontalOrganizationChart"/>
+    <dgm:cxn modelId="{C76C6C9E-AE0B-41D6-8AC6-C5E8BB4C5B1E}" srcId="{0EFF9EDE-421B-41B7-881C-6905866358E6}" destId="{995423B1-C661-4B05-9B11-5EF986B70B95}" srcOrd="5" destOrd="0" parTransId="{AA0C900D-EE62-437E-8490-B83428C054B2}" sibTransId="{6E99C376-2567-421F-BA1E-645269EA88D7}"/>
+    <dgm:cxn modelId="{9502AEE8-A4F1-455E-8D3F-4149FB7FBBF0}" type="presOf" srcId="{1AFC02C7-63E7-4D3B-9452-001CEA978B37}" destId="{63FA77BD-E377-481A-90AF-8B72819B2D6F}" srcOrd="0" destOrd="0" presId="urn:microsoft.com/office/officeart/2009/3/layout/HorizontalOrganizationChart"/>
+    <dgm:cxn modelId="{E8AC775D-48CC-425D-8359-3CA1850AEE13}" type="presOf" srcId="{E89A6FC7-5FE5-48E3-B863-6B0865D115ED}" destId="{B5235DFC-7FF0-4A66-8A84-3A441E517C1B}" srcOrd="1" destOrd="0" presId="urn:microsoft.com/office/officeart/2009/3/layout/HorizontalOrganizationChart"/>
     <dgm:cxn modelId="{53D866CF-5F52-4B1C-BACC-211340C17E69}" type="presParOf" srcId="{236459D9-F7FD-4D47-8D77-5A1976088603}" destId="{DA7AA59F-3FB2-406B-92D0-FF5AAD59C76B}" srcOrd="0" destOrd="0" presId="urn:microsoft.com/office/officeart/2009/3/layout/HorizontalOrganizationChart"/>
     <dgm:cxn modelId="{3EECFF71-2F41-4BDE-B78C-24A853CA8DFE}" type="presParOf" srcId="{DA7AA59F-3FB2-406B-92D0-FF5AAD59C76B}" destId="{B6C339BC-E08F-4033-9E7B-792B07B83E95}" srcOrd="0" destOrd="0" presId="urn:microsoft.com/office/officeart/2009/3/layout/HorizontalOrganizationChart"/>
     <dgm:cxn modelId="{70B9B06B-CBA1-4C9D-8282-D14314B757E7}" type="presParOf" srcId="{B6C339BC-E08F-4033-9E7B-792B07B83E95}" destId="{6CECE873-66C3-4B80-B6C5-D022B763B565}" srcOrd="0" destOrd="0" presId="urn:microsoft.com/office/officeart/2009/3/layout/HorizontalOrganizationChart"/>
@@ -5331,7 +5329,7 @@
           <a:p>
             <a:r>
               <a:rPr lang="en-US" dirty="0"/>
-              <a:t>Process lead would coordinate and guide the process teams; Design Lead would coordinate between Process Teams and other disciplines.</a:t>
+              <a:t>A set of piping and instrumentation diagrams (P&amp;IDs) and preliminary specifications would also likely be included in 30% Design, but may be out of scope for the course…</a:t>
             </a:r>
           </a:p>
         </p:txBody>
@@ -5362,7 +5360,7 @@
     </p:spTree>
     <p:extLst>
       <p:ext uri="{BB962C8B-B14F-4D97-AF65-F5344CB8AC3E}">
-        <p14:creationId xmlns:p14="http://schemas.microsoft.com/office/powerpoint/2010/main" val="4121593489"/>
+        <p14:creationId xmlns:p14="http://schemas.microsoft.com/office/powerpoint/2010/main" val="514117517"/>
       </p:ext>
     </p:extLst>
   </p:cSld>
@@ -5416,7 +5414,10 @@
           <a:bodyPr/>
           <a:lstStyle/>
           <a:p>
-            <a:endParaRPr lang="en-US" dirty="0"/>
+            <a:r>
+              <a:rPr lang="en-US" dirty="0"/>
+              <a:t>Process lead would coordinate and guide the process teams; Design Lead would coordinate between Process Teams and other disciplines.</a:t>
+            </a:r>
           </a:p>
         </p:txBody>
       </p:sp>
@@ -5437,7 +5438,7 @@
           <a:p>
             <a:fld id="{1175C21F-68E8-4A22-BBF5-9CD63F183B33}" type="slidenum">
               <a:rPr lang="en-US" smtClean="0"/>
-              <a:t>6</a:t>
+              <a:t>7</a:t>
             </a:fld>
             <a:endParaRPr lang="en-US"/>
           </a:p>
@@ -5446,7 +5447,7 @@
     </p:spTree>
     <p:extLst>
       <p:ext uri="{BB962C8B-B14F-4D97-AF65-F5344CB8AC3E}">
-        <p14:creationId xmlns:p14="http://schemas.microsoft.com/office/powerpoint/2010/main" val="1673434998"/>
+        <p14:creationId xmlns:p14="http://schemas.microsoft.com/office/powerpoint/2010/main" val="4121593489"/>
       </p:ext>
     </p:extLst>
   </p:cSld>
@@ -5521,7 +5522,7 @@
           <a:p>
             <a:fld id="{1175C21F-68E8-4A22-BBF5-9CD63F183B33}" type="slidenum">
               <a:rPr lang="en-US" smtClean="0"/>
-              <a:t>7</a:t>
+              <a:t>8</a:t>
             </a:fld>
             <a:endParaRPr lang="en-US"/>
           </a:p>
@@ -5530,209 +5531,7 @@
     </p:spTree>
     <p:extLst>
       <p:ext uri="{BB962C8B-B14F-4D97-AF65-F5344CB8AC3E}">
-        <p14:creationId xmlns:p14="http://schemas.microsoft.com/office/powerpoint/2010/main" val="1354664167"/>
-      </p:ext>
-    </p:extLst>
-  </p:cSld>
-  <p:clrMapOvr>
-    <a:masterClrMapping/>
-  </p:clrMapOvr>
-</p:notes>
-</file>
-
-<file path=ppt/notesSlides/notesSlide6.xml><?xml version="1.0" encoding="utf-8"?>
-<p:notes xmlns:a="http://schemas.openxmlformats.org/drawingml/2006/main" xmlns:r="http://schemas.openxmlformats.org/officeDocument/2006/relationships" xmlns:p="http://schemas.openxmlformats.org/presentationml/2006/main">
-  <p:cSld>
-    <p:spTree>
-      <p:nvGrpSpPr>
-        <p:cNvPr id="1" name=""/>
-        <p:cNvGrpSpPr/>
-        <p:nvPr/>
-      </p:nvGrpSpPr>
-      <p:grpSpPr>
-        <a:xfrm>
-          <a:off x="0" y="0"/>
-          <a:ext cx="0" cy="0"/>
-          <a:chOff x="0" y="0"/>
-          <a:chExt cx="0" cy="0"/>
-        </a:xfrm>
-      </p:grpSpPr>
-      <p:sp>
-        <p:nvSpPr>
-          <p:cNvPr id="2" name="Slide Image Placeholder 1"/>
-          <p:cNvSpPr>
-            <a:spLocks noGrp="1" noRot="1" noChangeAspect="1"/>
-          </p:cNvSpPr>
-          <p:nvPr>
-            <p:ph type="sldImg"/>
-          </p:nvPr>
-        </p:nvSpPr>
-        <p:spPr/>
-      </p:sp>
-      <p:sp>
-        <p:nvSpPr>
-          <p:cNvPr id="3" name="Notes Placeholder 2"/>
-          <p:cNvSpPr>
-            <a:spLocks noGrp="1"/>
-          </p:cNvSpPr>
-          <p:nvPr>
-            <p:ph type="body" idx="1"/>
-          </p:nvPr>
-        </p:nvSpPr>
-        <p:spPr/>
-        <p:txBody>
-          <a:bodyPr/>
-          <a:lstStyle/>
-          <a:p>
-            <a:pPr marL="285750" indent="-285750">
-              <a:buFont typeface="Arial" panose="020B0604020202020204" pitchFamily="34" charset="0"/>
-              <a:buChar char="•"/>
-            </a:pPr>
-            <a:r>
-              <a:rPr lang="en-US" sz="1800" dirty="0"/>
-              <a:t>Some key questions that the design lead might ask throughout the design process:</a:t>
-            </a:r>
-          </a:p>
-          <a:p>
-            <a:pPr marL="765810" lvl="1" indent="-285750"/>
-            <a:r>
-              <a:rPr lang="en-US" sz="1800" dirty="0"/>
-              <a:t>What do changes in the process design mean for structural design? </a:t>
-            </a:r>
-          </a:p>
-          <a:p>
-            <a:pPr marL="765810" lvl="1" indent="-285750"/>
-            <a:r>
-              <a:rPr lang="en-US" sz="1800" dirty="0"/>
-              <a:t>Is the chemical storage designed to be compliant with the relevant fire codes? Where is secondary containment required? (Work with architectural)</a:t>
-            </a:r>
-          </a:p>
-          <a:p>
-            <a:pPr marL="765810" lvl="1" indent="-285750"/>
-            <a:r>
-              <a:rPr lang="en-US" sz="1800" dirty="0"/>
-              <a:t>Are we selecting the right type of valves? Are we placing them in a prudent location? (Work with mechanical)</a:t>
-            </a:r>
-          </a:p>
-          <a:p>
-            <a:endParaRPr lang="en-US" dirty="0"/>
-          </a:p>
-        </p:txBody>
-      </p:sp>
-      <p:sp>
-        <p:nvSpPr>
-          <p:cNvPr id="4" name="Slide Number Placeholder 3"/>
-          <p:cNvSpPr>
-            <a:spLocks noGrp="1"/>
-          </p:cNvSpPr>
-          <p:nvPr>
-            <p:ph type="sldNum" sz="quarter" idx="5"/>
-          </p:nvPr>
-        </p:nvSpPr>
-        <p:spPr/>
-        <p:txBody>
-          <a:bodyPr/>
-          <a:lstStyle/>
-          <a:p>
-            <a:fld id="{1175C21F-68E8-4A22-BBF5-9CD63F183B33}" type="slidenum">
-              <a:rPr lang="en-US" smtClean="0"/>
-              <a:t>8</a:t>
-            </a:fld>
-            <a:endParaRPr lang="en-US"/>
-          </a:p>
-        </p:txBody>
-      </p:sp>
-    </p:spTree>
-    <p:extLst>
-      <p:ext uri="{BB962C8B-B14F-4D97-AF65-F5344CB8AC3E}">
-        <p14:creationId xmlns:p14="http://schemas.microsoft.com/office/powerpoint/2010/main" val="3988804177"/>
-      </p:ext>
-    </p:extLst>
-  </p:cSld>
-  <p:clrMapOvr>
-    <a:masterClrMapping/>
-  </p:clrMapOvr>
-</p:notes>
-</file>
-
-<file path=ppt/notesSlides/notesSlide7.xml><?xml version="1.0" encoding="utf-8"?>
-<p:notes xmlns:a="http://schemas.openxmlformats.org/drawingml/2006/main" xmlns:r="http://schemas.openxmlformats.org/officeDocument/2006/relationships" xmlns:p="http://schemas.openxmlformats.org/presentationml/2006/main">
-  <p:cSld>
-    <p:spTree>
-      <p:nvGrpSpPr>
-        <p:cNvPr id="1" name=""/>
-        <p:cNvGrpSpPr/>
-        <p:nvPr/>
-      </p:nvGrpSpPr>
-      <p:grpSpPr>
-        <a:xfrm>
-          <a:off x="0" y="0"/>
-          <a:ext cx="0" cy="0"/>
-          <a:chOff x="0" y="0"/>
-          <a:chExt cx="0" cy="0"/>
-        </a:xfrm>
-      </p:grpSpPr>
-      <p:sp>
-        <p:nvSpPr>
-          <p:cNvPr id="2" name="Slide Image Placeholder 1"/>
-          <p:cNvSpPr>
-            <a:spLocks noGrp="1" noRot="1" noChangeAspect="1"/>
-          </p:cNvSpPr>
-          <p:nvPr>
-            <p:ph type="sldImg"/>
-          </p:nvPr>
-        </p:nvSpPr>
-        <p:spPr/>
-      </p:sp>
-      <p:sp>
-        <p:nvSpPr>
-          <p:cNvPr id="3" name="Notes Placeholder 2"/>
-          <p:cNvSpPr>
-            <a:spLocks noGrp="1"/>
-          </p:cNvSpPr>
-          <p:nvPr>
-            <p:ph type="body" idx="1"/>
-          </p:nvPr>
-        </p:nvSpPr>
-        <p:spPr/>
-        <p:txBody>
-          <a:bodyPr/>
-          <a:lstStyle/>
-          <a:p>
-            <a:r>
-              <a:rPr lang="en-US" dirty="0"/>
-              <a:t>A set of piping and instrumentation diagrams (P&amp;IDs) and preliminary specifications would also likely be included in 30% Design, but may be out of scope for the course…</a:t>
-            </a:r>
-          </a:p>
-        </p:txBody>
-      </p:sp>
-      <p:sp>
-        <p:nvSpPr>
-          <p:cNvPr id="4" name="Slide Number Placeholder 3"/>
-          <p:cNvSpPr>
-            <a:spLocks noGrp="1"/>
-          </p:cNvSpPr>
-          <p:nvPr>
-            <p:ph type="sldNum" sz="quarter" idx="5"/>
-          </p:nvPr>
-        </p:nvSpPr>
-        <p:spPr/>
-        <p:txBody>
-          <a:bodyPr/>
-          <a:lstStyle/>
-          <a:p>
-            <a:fld id="{1175C21F-68E8-4A22-BBF5-9CD63F183B33}" type="slidenum">
-              <a:rPr lang="en-US" smtClean="0"/>
-              <a:t>9</a:t>
-            </a:fld>
-            <a:endParaRPr lang="en-US"/>
-          </a:p>
-        </p:txBody>
-      </p:sp>
-    </p:spTree>
-    <p:extLst>
-      <p:ext uri="{BB962C8B-B14F-4D97-AF65-F5344CB8AC3E}">
-        <p14:creationId xmlns:p14="http://schemas.microsoft.com/office/powerpoint/2010/main" val="514117517"/>
+        <p14:creationId xmlns:p14="http://schemas.microsoft.com/office/powerpoint/2010/main" val="1673434998"/>
       </p:ext>
     </p:extLst>
   </p:cSld>
@@ -8248,7 +8047,7 @@
           <a:p>
             <a:r>
               <a:rPr lang="en-US" dirty="0" smtClean="0"/>
-              <a:t>Treatment Trains</a:t>
+              <a:t>Tasks</a:t>
             </a:r>
             <a:endParaRPr lang="en-US" dirty="0"/>
           </a:p>
@@ -8270,268 +8069,6 @@
           <a:lstStyle/>
           <a:p>
             <a:r>
-              <a:rPr lang="en-US" dirty="0"/>
-              <a:t>Rapid Mix / Flocculation System – Mechanical rapid mix coagulation/flocculation </a:t>
-            </a:r>
-            <a:r>
-              <a:rPr lang="en-US" dirty="0" smtClean="0"/>
-              <a:t>tanks which </a:t>
-            </a:r>
-            <a:r>
-              <a:rPr lang="en-US" dirty="0"/>
-              <a:t>feed directly into the sedimentation system</a:t>
-            </a:r>
-            <a:r>
-              <a:rPr lang="en-US" dirty="0" smtClean="0"/>
-              <a:t>.</a:t>
-            </a:r>
-          </a:p>
-          <a:p>
-            <a:r>
-              <a:rPr lang="en-US" dirty="0" smtClean="0"/>
-              <a:t>Sedimentation </a:t>
-            </a:r>
-            <a:r>
-              <a:rPr lang="en-US" dirty="0"/>
-              <a:t>System – Plate settler sedimentation basins with mechanical </a:t>
-            </a:r>
-            <a:r>
-              <a:rPr lang="en-US" dirty="0" smtClean="0"/>
-              <a:t>sludge removal</a:t>
-            </a:r>
-            <a:r>
-              <a:rPr lang="en-US" dirty="0"/>
-              <a:t>. Sedimentation basins will be sized for appropriate number of trains </a:t>
-            </a:r>
-            <a:r>
-              <a:rPr lang="en-US" dirty="0" smtClean="0"/>
-              <a:t>to accommodate </a:t>
-            </a:r>
-            <a:r>
-              <a:rPr lang="en-US" dirty="0"/>
-              <a:t>the design flow of the plant. Provide one fully redundant </a:t>
-            </a:r>
-            <a:r>
-              <a:rPr lang="en-US" dirty="0" smtClean="0"/>
-              <a:t>treatment train </a:t>
-            </a:r>
-            <a:r>
-              <a:rPr lang="en-US" dirty="0"/>
-              <a:t>to accommodate maintenance activities.</a:t>
-            </a:r>
-            <a:endParaRPr lang="en-US" dirty="0"/>
-          </a:p>
-        </p:txBody>
-      </p:sp>
-      <p:sp>
-        <p:nvSpPr>
-          <p:cNvPr id="4" name="TextBox 3"/>
-          <p:cNvSpPr txBox="1"/>
-          <p:nvPr/>
-        </p:nvSpPr>
-        <p:spPr>
-          <a:xfrm>
-            <a:off x="8492646" y="6126164"/>
-            <a:ext cx="1869423" cy="369332"/>
-          </a:xfrm>
-          <a:prstGeom prst="rect">
-            <a:avLst/>
-          </a:prstGeom>
-          <a:noFill/>
-        </p:spPr>
-        <p:txBody>
-          <a:bodyPr wrap="none" rtlCol="0">
-            <a:spAutoFit/>
-          </a:bodyPr>
-          <a:lstStyle/>
-          <a:p>
-            <a:r>
-              <a:rPr lang="en-US" dirty="0" smtClean="0"/>
-              <a:t>FSP SOW page 18</a:t>
-            </a:r>
-            <a:endParaRPr lang="en-US" dirty="0"/>
-          </a:p>
-        </p:txBody>
-      </p:sp>
-    </p:spTree>
-    <p:extLst>
-      <p:ext uri="{BB962C8B-B14F-4D97-AF65-F5344CB8AC3E}">
-        <p14:creationId xmlns:p14="http://schemas.microsoft.com/office/powerpoint/2010/main" val="399064295"/>
-      </p:ext>
-    </p:extLst>
-  </p:cSld>
-  <p:clrMapOvr>
-    <a:masterClrMapping/>
-  </p:clrMapOvr>
-  <p:transition>
-    <p:fade/>
-  </p:transition>
-</p:sld>
-</file>
-
-<file path=ppt/slides/slide11.xml><?xml version="1.0" encoding="utf-8"?>
-<p:sld xmlns:a="http://schemas.openxmlformats.org/drawingml/2006/main" xmlns:r="http://schemas.openxmlformats.org/officeDocument/2006/relationships" xmlns:p="http://schemas.openxmlformats.org/presentationml/2006/main">
-  <p:cSld>
-    <p:spTree>
-      <p:nvGrpSpPr>
-        <p:cNvPr id="1" name=""/>
-        <p:cNvGrpSpPr/>
-        <p:nvPr/>
-      </p:nvGrpSpPr>
-      <p:grpSpPr>
-        <a:xfrm>
-          <a:off x="0" y="0"/>
-          <a:ext cx="0" cy="0"/>
-          <a:chOff x="0" y="0"/>
-          <a:chExt cx="0" cy="0"/>
-        </a:xfrm>
-      </p:grpSpPr>
-      <p:sp>
-        <p:nvSpPr>
-          <p:cNvPr id="7" name="Title 6"/>
-          <p:cNvSpPr>
-            <a:spLocks noGrp="1"/>
-          </p:cNvSpPr>
-          <p:nvPr>
-            <p:ph type="title"/>
-          </p:nvPr>
-        </p:nvSpPr>
-        <p:spPr/>
-        <p:txBody>
-          <a:bodyPr/>
-          <a:lstStyle/>
-          <a:p>
-            <a:r>
-              <a:rPr lang="en-US" dirty="0" smtClean="0"/>
-              <a:t>Are some teams interested in exploring using potential energy rather than electricity?</a:t>
-            </a:r>
-            <a:endParaRPr lang="en-US" dirty="0"/>
-          </a:p>
-        </p:txBody>
-      </p:sp>
-      <p:sp>
-        <p:nvSpPr>
-          <p:cNvPr id="8" name="Content Placeholder 7"/>
-          <p:cNvSpPr>
-            <a:spLocks noGrp="1"/>
-          </p:cNvSpPr>
-          <p:nvPr>
-            <p:ph idx="1"/>
-          </p:nvPr>
-        </p:nvSpPr>
-        <p:spPr/>
-        <p:txBody>
-          <a:bodyPr/>
-          <a:lstStyle/>
-          <a:p>
-            <a:r>
-              <a:rPr lang="en-US" dirty="0" smtClean="0"/>
-              <a:t>We can spend more time exploring alternatives (and innovating)</a:t>
-            </a:r>
-          </a:p>
-          <a:p>
-            <a:r>
-              <a:rPr lang="en-US" dirty="0" smtClean="0"/>
-              <a:t>Mechanized sludge removal systems create significant maintenance issues</a:t>
-            </a:r>
-          </a:p>
-          <a:p>
-            <a:r>
-              <a:rPr lang="en-US" dirty="0" smtClean="0"/>
-              <a:t>Rapid mix is of questionable utility (EXCEPT that large scale mixing with the flow is ESSENTIAL before dividing the flow into different </a:t>
-            </a:r>
-            <a:r>
-              <a:rPr lang="en-US" dirty="0" err="1" smtClean="0"/>
-              <a:t>flocculators</a:t>
-            </a:r>
-            <a:r>
-              <a:rPr lang="en-US" dirty="0" smtClean="0"/>
-              <a:t>)</a:t>
-            </a:r>
-          </a:p>
-          <a:p>
-            <a:r>
-              <a:rPr lang="en-US" dirty="0" smtClean="0"/>
-              <a:t>Every moving part is requires maintenance</a:t>
-            </a:r>
-          </a:p>
-          <a:p>
-            <a:endParaRPr lang="en-US" dirty="0"/>
-          </a:p>
-        </p:txBody>
-      </p:sp>
-    </p:spTree>
-    <p:extLst>
-      <p:ext uri="{BB962C8B-B14F-4D97-AF65-F5344CB8AC3E}">
-        <p14:creationId xmlns:p14="http://schemas.microsoft.com/office/powerpoint/2010/main" val="4016485504"/>
-      </p:ext>
-    </p:extLst>
-  </p:cSld>
-  <p:clrMapOvr>
-    <a:masterClrMapping/>
-  </p:clrMapOvr>
-  <p:transition>
-    <p:fade/>
-  </p:transition>
-</p:sld>
-</file>
-
-<file path=ppt/slides/slide12.xml><?xml version="1.0" encoding="utf-8"?>
-<p:sld xmlns:a="http://schemas.openxmlformats.org/drawingml/2006/main" xmlns:r="http://schemas.openxmlformats.org/officeDocument/2006/relationships" xmlns:p="http://schemas.openxmlformats.org/presentationml/2006/main">
-  <p:cSld>
-    <p:spTree>
-      <p:nvGrpSpPr>
-        <p:cNvPr id="1" name=""/>
-        <p:cNvGrpSpPr/>
-        <p:nvPr/>
-      </p:nvGrpSpPr>
-      <p:grpSpPr>
-        <a:xfrm>
-          <a:off x="0" y="0"/>
-          <a:ext cx="0" cy="0"/>
-          <a:chOff x="0" y="0"/>
-          <a:chExt cx="0" cy="0"/>
-        </a:xfrm>
-      </p:grpSpPr>
-      <p:sp>
-        <p:nvSpPr>
-          <p:cNvPr id="2" name="Title 1"/>
-          <p:cNvSpPr>
-            <a:spLocks noGrp="1"/>
-          </p:cNvSpPr>
-          <p:nvPr>
-            <p:ph type="title"/>
-          </p:nvPr>
-        </p:nvSpPr>
-        <p:spPr/>
-        <p:txBody>
-          <a:bodyPr/>
-          <a:lstStyle/>
-          <a:p>
-            <a:r>
-              <a:rPr lang="en-US" dirty="0" smtClean="0"/>
-              <a:t>Tasks</a:t>
-            </a:r>
-            <a:endParaRPr lang="en-US" dirty="0"/>
-          </a:p>
-        </p:txBody>
-      </p:sp>
-      <p:sp>
-        <p:nvSpPr>
-          <p:cNvPr id="3" name="Content Placeholder 2"/>
-          <p:cNvSpPr>
-            <a:spLocks noGrp="1"/>
-          </p:cNvSpPr>
-          <p:nvPr>
-            <p:ph idx="1"/>
-          </p:nvPr>
-        </p:nvSpPr>
-        <p:spPr/>
-        <p:txBody>
-          <a:bodyPr/>
-          <a:lstStyle/>
-          <a:p>
-            <a:r>
               <a:rPr lang="en-US" dirty="0" smtClean="0"/>
               <a:t>Overall team structure</a:t>
             </a:r>
@@ -8574,6 +8111,13 @@
   <p:transition>
     <p:fade/>
   </p:transition>
+  <p:timing>
+    <p:tnLst>
+      <p:par>
+        <p:cTn id="1" dur="indefinite" restart="never" nodeType="tmRoot"/>
+      </p:par>
+    </p:tnLst>
+  </p:timing>
 </p:sld>
 </file>
 
@@ -8682,6 +8226,13 @@
   <p:transition>
     <p:fade/>
   </p:transition>
+  <p:timing>
+    <p:tnLst>
+      <p:par>
+        <p:cTn id="1" dur="indefinite" restart="never" nodeType="tmRoot"/>
+      </p:par>
+    </p:tnLst>
+  </p:timing>
 </p:sld>
 </file>
 
@@ -8801,6 +8352,13 @@
   <p:transition>
     <p:fade/>
   </p:transition>
+  <p:timing>
+    <p:tnLst>
+      <p:par>
+        <p:cTn id="1" dur="indefinite" restart="never" nodeType="tmRoot"/>
+      </p:par>
+    </p:tnLst>
+  </p:timing>
 </p:sld>
 </file>
 
@@ -8927,10 +8485,379 @@
   <p:transition>
     <p:fade/>
   </p:transition>
+  <p:timing>
+    <p:tnLst>
+      <p:par>
+        <p:cTn id="1" dur="indefinite" restart="never" nodeType="tmRoot"/>
+      </p:par>
+    </p:tnLst>
+  </p:timing>
 </p:sld>
 </file>
 
 <file path=ppt/slides/slide5.xml><?xml version="1.0" encoding="utf-8"?>
+<p:sld xmlns:a="http://schemas.openxmlformats.org/drawingml/2006/main" xmlns:r="http://schemas.openxmlformats.org/officeDocument/2006/relationships" xmlns:p="http://schemas.openxmlformats.org/presentationml/2006/main">
+  <p:cSld>
+    <p:spTree>
+      <p:nvGrpSpPr>
+        <p:cNvPr id="1" name=""/>
+        <p:cNvGrpSpPr/>
+        <p:nvPr/>
+      </p:nvGrpSpPr>
+      <p:grpSpPr>
+        <a:xfrm>
+          <a:off x="0" y="0"/>
+          <a:ext cx="0" cy="0"/>
+          <a:chOff x="0" y="0"/>
+          <a:chExt cx="0" cy="0"/>
+        </a:xfrm>
+      </p:grpSpPr>
+      <p:sp>
+        <p:nvSpPr>
+          <p:cNvPr id="4" name="Title 3"/>
+          <p:cNvSpPr>
+            <a:spLocks noGrp="1"/>
+          </p:cNvSpPr>
+          <p:nvPr>
+            <p:ph type="title"/>
+          </p:nvPr>
+        </p:nvSpPr>
+        <p:spPr/>
+        <p:txBody>
+          <a:bodyPr>
+            <a:normAutofit/>
+          </a:bodyPr>
+          <a:lstStyle/>
+          <a:p>
+            <a:r>
+              <a:rPr lang="en-US" dirty="0"/>
+              <a:t>Deliverables</a:t>
+            </a:r>
+          </a:p>
+        </p:txBody>
+      </p:sp>
+      <p:sp>
+        <p:nvSpPr>
+          <p:cNvPr id="3" name="Content Placeholder 2"/>
+          <p:cNvSpPr>
+            <a:spLocks noGrp="1"/>
+          </p:cNvSpPr>
+          <p:nvPr>
+            <p:ph idx="1"/>
+          </p:nvPr>
+        </p:nvSpPr>
+        <p:spPr/>
+        <p:txBody>
+          <a:bodyPr>
+            <a:normAutofit/>
+          </a:bodyPr>
+          <a:lstStyle/>
+          <a:p>
+            <a:pPr marL="285750" indent="-285750">
+              <a:buFont typeface="Arial" panose="020B0604020202020204" pitchFamily="34" charset="0"/>
+              <a:buChar char="•"/>
+            </a:pPr>
+            <a:r>
+              <a:rPr lang="en-US" sz="2000" dirty="0"/>
+              <a:t>Process Design Criteria</a:t>
+            </a:r>
+          </a:p>
+          <a:p>
+            <a:pPr marL="765810" lvl="1" indent="-285750"/>
+            <a:r>
+              <a:rPr lang="en-US" sz="2000" dirty="0"/>
+              <a:t>Water quality (influent and effluent) summary</a:t>
+            </a:r>
+          </a:p>
+          <a:p>
+            <a:pPr marL="765810" lvl="1" indent="-285750"/>
+            <a:r>
+              <a:rPr lang="en-US" sz="2000" dirty="0"/>
+              <a:t>Schematic diagram (Process Flow Diagram [PFD]) </a:t>
+            </a:r>
+          </a:p>
+          <a:p>
+            <a:pPr marL="765810" lvl="1" indent="-285750"/>
+            <a:r>
+              <a:rPr lang="en-US" sz="2000" dirty="0"/>
+              <a:t>Preliminary hydraulic profile</a:t>
+            </a:r>
+          </a:p>
+          <a:p>
+            <a:pPr marL="285750" indent="-285750">
+              <a:buFont typeface="Arial" panose="020B0604020202020204" pitchFamily="34" charset="0"/>
+              <a:buChar char="•"/>
+            </a:pPr>
+            <a:r>
+              <a:rPr lang="en-US" sz="2000" dirty="0"/>
+              <a:t>Basis of Design Report (BODR) and 30% Design</a:t>
+            </a:r>
+          </a:p>
+          <a:p>
+            <a:pPr marL="765810" lvl="1" indent="-285750"/>
+            <a:r>
+              <a:rPr lang="en-US" sz="2000" dirty="0"/>
+              <a:t>Description and design criteria for each treatment process</a:t>
+            </a:r>
+          </a:p>
+          <a:p>
+            <a:pPr marL="765810" lvl="1" indent="-285750"/>
+            <a:r>
+              <a:rPr lang="en-US" sz="2000" dirty="0"/>
+              <a:t>Final hydraulic profile</a:t>
+            </a:r>
+          </a:p>
+          <a:p>
+            <a:pPr marL="765810" lvl="1" indent="-285750"/>
+            <a:r>
+              <a:rPr lang="en-US" sz="2000" dirty="0"/>
+              <a:t>Preliminary site layouts</a:t>
+            </a:r>
+          </a:p>
+          <a:p>
+            <a:pPr marL="765810" lvl="1" indent="-285750"/>
+            <a:r>
+              <a:rPr lang="en-US" sz="2000" dirty="0"/>
+              <a:t>Supporting calculations and product datasheets</a:t>
+            </a:r>
+          </a:p>
+          <a:p>
+            <a:pPr marL="285750" indent="-285750">
+              <a:buFont typeface="Arial" panose="020B0604020202020204" pitchFamily="34" charset="0"/>
+              <a:buChar char="•"/>
+            </a:pPr>
+            <a:r>
+              <a:rPr lang="en-US" sz="2000" dirty="0" smtClean="0"/>
+              <a:t>See Syllabus!</a:t>
+            </a:r>
+            <a:endParaRPr lang="en-US" sz="2000" dirty="0"/>
+          </a:p>
+          <a:p>
+            <a:pPr marL="765810" lvl="1" indent="-285750"/>
+            <a:endParaRPr lang="en-US" sz="2000" dirty="0"/>
+          </a:p>
+          <a:p>
+            <a:pPr>
+              <a:buFont typeface="Arial" panose="020B0604020202020204" pitchFamily="34" charset="0"/>
+              <a:buChar char="•"/>
+            </a:pPr>
+            <a:endParaRPr lang="en-US" sz="2000" dirty="0"/>
+          </a:p>
+          <a:p>
+            <a:pPr>
+              <a:buFont typeface="Arial" panose="020B0604020202020204" pitchFamily="34" charset="0"/>
+              <a:buChar char="•"/>
+            </a:pPr>
+            <a:endParaRPr lang="en-US" sz="2000" dirty="0"/>
+          </a:p>
+          <a:p>
+            <a:pPr>
+              <a:buFont typeface="Arial" panose="020B0604020202020204" pitchFamily="34" charset="0"/>
+              <a:buChar char="•"/>
+            </a:pPr>
+            <a:endParaRPr lang="en-US" sz="2000" dirty="0"/>
+          </a:p>
+          <a:p>
+            <a:pPr>
+              <a:buFont typeface="Arial" panose="020B0604020202020204" pitchFamily="34" charset="0"/>
+              <a:buChar char="•"/>
+            </a:pPr>
+            <a:endParaRPr lang="en-US" sz="2000" dirty="0"/>
+          </a:p>
+          <a:p>
+            <a:endParaRPr lang="en-US" sz="2400" dirty="0"/>
+          </a:p>
+        </p:txBody>
+      </p:sp>
+    </p:spTree>
+    <p:extLst>
+      <p:ext uri="{BB962C8B-B14F-4D97-AF65-F5344CB8AC3E}">
+        <p14:creationId xmlns:p14="http://schemas.microsoft.com/office/powerpoint/2010/main" val="2485710306"/>
+      </p:ext>
+    </p:extLst>
+  </p:cSld>
+  <p:clrMapOvr>
+    <a:masterClrMapping/>
+  </p:clrMapOvr>
+  <p:transition>
+    <p:fade/>
+  </p:transition>
+  <p:timing>
+    <p:tnLst>
+      <p:par>
+        <p:cTn id="1" dur="indefinite" restart="never" nodeType="tmRoot"/>
+      </p:par>
+    </p:tnLst>
+  </p:timing>
+</p:sld>
+</file>
+
+<file path=ppt/slides/slide6.xml><?xml version="1.0" encoding="utf-8"?>
+<p:sld xmlns:a="http://schemas.openxmlformats.org/drawingml/2006/main" xmlns:r="http://schemas.openxmlformats.org/officeDocument/2006/relationships" xmlns:p="http://schemas.openxmlformats.org/presentationml/2006/main">
+  <p:cSld>
+    <p:spTree>
+      <p:nvGrpSpPr>
+        <p:cNvPr id="1" name=""/>
+        <p:cNvGrpSpPr/>
+        <p:nvPr/>
+      </p:nvGrpSpPr>
+      <p:grpSpPr>
+        <a:xfrm>
+          <a:off x="0" y="0"/>
+          <a:ext cx="0" cy="0"/>
+          <a:chOff x="0" y="0"/>
+          <a:chExt cx="0" cy="0"/>
+        </a:xfrm>
+      </p:grpSpPr>
+      <p:sp>
+        <p:nvSpPr>
+          <p:cNvPr id="2" name="Title 1"/>
+          <p:cNvSpPr>
+            <a:spLocks noGrp="1"/>
+          </p:cNvSpPr>
+          <p:nvPr>
+            <p:ph type="title"/>
+          </p:nvPr>
+        </p:nvSpPr>
+        <p:spPr/>
+        <p:txBody>
+          <a:bodyPr/>
+          <a:lstStyle/>
+          <a:p>
+            <a:r>
+              <a:rPr lang="en-US" dirty="0" smtClean="0"/>
+              <a:t>Treatment </a:t>
+            </a:r>
+            <a:r>
+              <a:rPr lang="en-US" dirty="0" smtClean="0"/>
+              <a:t>Train comments in SOW</a:t>
+            </a:r>
+            <a:endParaRPr lang="en-US" dirty="0"/>
+          </a:p>
+        </p:txBody>
+      </p:sp>
+      <p:sp>
+        <p:nvSpPr>
+          <p:cNvPr id="3" name="Content Placeholder 2"/>
+          <p:cNvSpPr>
+            <a:spLocks noGrp="1"/>
+          </p:cNvSpPr>
+          <p:nvPr>
+            <p:ph idx="1"/>
+          </p:nvPr>
+        </p:nvSpPr>
+        <p:spPr/>
+        <p:txBody>
+          <a:bodyPr/>
+          <a:lstStyle/>
+          <a:p>
+            <a:r>
+              <a:rPr lang="en-US" dirty="0"/>
+              <a:t>Rapid Mix / Flocculation System – Mechanical rapid mix coagulation/flocculation </a:t>
+            </a:r>
+            <a:r>
+              <a:rPr lang="en-US" dirty="0" smtClean="0"/>
+              <a:t>tanks which </a:t>
+            </a:r>
+            <a:r>
+              <a:rPr lang="en-US" dirty="0"/>
+              <a:t>feed directly into the sedimentation system</a:t>
+            </a:r>
+            <a:r>
+              <a:rPr lang="en-US" dirty="0" smtClean="0"/>
+              <a:t>.</a:t>
+            </a:r>
+          </a:p>
+          <a:p>
+            <a:r>
+              <a:rPr lang="en-US" dirty="0" smtClean="0"/>
+              <a:t>Sedimentation </a:t>
+            </a:r>
+            <a:r>
+              <a:rPr lang="en-US" dirty="0"/>
+              <a:t>System – Plate settler sedimentation basins with mechanical </a:t>
+            </a:r>
+            <a:r>
+              <a:rPr lang="en-US" dirty="0" smtClean="0"/>
+              <a:t>sludge removal</a:t>
+            </a:r>
+            <a:r>
+              <a:rPr lang="en-US" dirty="0"/>
+              <a:t>. Sedimentation basins will be sized for appropriate number of trains </a:t>
+            </a:r>
+            <a:r>
+              <a:rPr lang="en-US" dirty="0" smtClean="0"/>
+              <a:t>to accommodate </a:t>
+            </a:r>
+            <a:r>
+              <a:rPr lang="en-US" dirty="0"/>
+              <a:t>the design flow of the plant. Provide one fully redundant </a:t>
+            </a:r>
+            <a:r>
+              <a:rPr lang="en-US" dirty="0" smtClean="0"/>
+              <a:t>treatment train </a:t>
+            </a:r>
+            <a:r>
+              <a:rPr lang="en-US" dirty="0"/>
+              <a:t>to accommodate maintenance activities.</a:t>
+            </a:r>
+          </a:p>
+        </p:txBody>
+      </p:sp>
+      <p:sp>
+        <p:nvSpPr>
+          <p:cNvPr id="4" name="TextBox 3"/>
+          <p:cNvSpPr txBox="1"/>
+          <p:nvPr/>
+        </p:nvSpPr>
+        <p:spPr>
+          <a:xfrm>
+            <a:off x="8492646" y="6126164"/>
+            <a:ext cx="1869423" cy="369332"/>
+          </a:xfrm>
+          <a:prstGeom prst="rect">
+            <a:avLst/>
+          </a:prstGeom>
+          <a:noFill/>
+        </p:spPr>
+        <p:txBody>
+          <a:bodyPr wrap="none" rtlCol="0">
+            <a:spAutoFit/>
+          </a:bodyPr>
+          <a:lstStyle/>
+          <a:p>
+            <a:r>
+              <a:rPr lang="en-US" dirty="0" smtClean="0"/>
+              <a:t>FSP SOW page 18</a:t>
+            </a:r>
+            <a:endParaRPr lang="en-US" dirty="0"/>
+          </a:p>
+        </p:txBody>
+      </p:sp>
+    </p:spTree>
+    <p:extLst>
+      <p:ext uri="{BB962C8B-B14F-4D97-AF65-F5344CB8AC3E}">
+        <p14:creationId xmlns:p14="http://schemas.microsoft.com/office/powerpoint/2010/main" val="399064295"/>
+      </p:ext>
+    </p:extLst>
+  </p:cSld>
+  <p:clrMapOvr>
+    <a:masterClrMapping/>
+  </p:clrMapOvr>
+  <p:transition>
+    <p:fade/>
+  </p:transition>
+  <p:timing>
+    <p:tnLst>
+      <p:par>
+        <p:cTn id="1" dur="indefinite" restart="never" nodeType="tmRoot"/>
+      </p:par>
+    </p:tnLst>
+  </p:timing>
+</p:sld>
+</file>
+
+<file path=ppt/slides/slide7.xml><?xml version="1.0" encoding="utf-8"?>
 <p:sld xmlns:a="http://schemas.openxmlformats.org/drawingml/2006/main" xmlns:r="http://schemas.openxmlformats.org/officeDocument/2006/relationships" xmlns:p="http://schemas.openxmlformats.org/presentationml/2006/main">
   <p:cSld>
     <p:spTree>
@@ -9184,10 +9111,17 @@
   <p:transition>
     <p:fade/>
   </p:transition>
+  <p:timing>
+    <p:tnLst>
+      <p:par>
+        <p:cTn id="1" dur="indefinite" restart="never" nodeType="tmRoot"/>
+      </p:par>
+    </p:tnLst>
+  </p:timing>
 </p:sld>
 </file>
 
-<file path=ppt/slides/slide6.xml><?xml version="1.0" encoding="utf-8"?>
+<file path=ppt/slides/slide8.xml><?xml version="1.0" encoding="utf-8"?>
 <p:sld xmlns:a="http://schemas.openxmlformats.org/drawingml/2006/main" xmlns:r="http://schemas.openxmlformats.org/officeDocument/2006/relationships" xmlns:p="http://schemas.openxmlformats.org/presentationml/2006/main">
   <p:cSld>
     <p:spTree>
@@ -9628,404 +9562,13 @@
   <p:transition>
     <p:fade/>
   </p:transition>
-</p:sld>
-</file>
-
-<file path=ppt/slides/slide7.xml><?xml version="1.0" encoding="utf-8"?>
-<p:sld xmlns:a="http://schemas.openxmlformats.org/drawingml/2006/main" xmlns:r="http://schemas.openxmlformats.org/officeDocument/2006/relationships" xmlns:p="http://schemas.openxmlformats.org/presentationml/2006/main">
-  <p:cSld>
-    <p:spTree>
-      <p:nvGrpSpPr>
-        <p:cNvPr id="1" name=""/>
-        <p:cNvGrpSpPr/>
-        <p:nvPr/>
-      </p:nvGrpSpPr>
-      <p:grpSpPr>
-        <a:xfrm>
-          <a:off x="0" y="0"/>
-          <a:ext cx="0" cy="0"/>
-          <a:chOff x="0" y="0"/>
-          <a:chExt cx="0" cy="0"/>
-        </a:xfrm>
-      </p:grpSpPr>
-      <p:sp>
-        <p:nvSpPr>
-          <p:cNvPr id="4" name="Title 3"/>
-          <p:cNvSpPr>
-            <a:spLocks noGrp="1"/>
-          </p:cNvSpPr>
-          <p:nvPr>
-            <p:ph type="title"/>
-          </p:nvPr>
-        </p:nvSpPr>
-        <p:spPr/>
-        <p:txBody>
-          <a:bodyPr>
-            <a:normAutofit/>
-          </a:bodyPr>
-          <a:lstStyle/>
-          <a:p>
-            <a:r>
-              <a:rPr lang="en-US" dirty="0"/>
-              <a:t>Process Teams’ Responsibilities</a:t>
-            </a:r>
-          </a:p>
-        </p:txBody>
-      </p:sp>
-      <p:sp>
-        <p:nvSpPr>
-          <p:cNvPr id="7" name="Content Placeholder 2">
-            <a:extLst>
-              <a:ext uri="{FF2B5EF4-FFF2-40B4-BE49-F238E27FC236}">
-                <a16:creationId xmlns:a16="http://schemas.microsoft.com/office/drawing/2014/main" id="{F8D40262-FB10-4771-AFA9-4C4C31B1D47F}"/>
-              </a:ext>
-            </a:extLst>
-          </p:cNvPr>
-          <p:cNvSpPr>
-            <a:spLocks noGrp="1"/>
-          </p:cNvSpPr>
-          <p:nvPr>
-            <p:ph idx="1"/>
-          </p:nvPr>
-        </p:nvSpPr>
-        <p:spPr/>
-        <p:txBody>
-          <a:bodyPr>
-            <a:normAutofit fontScale="92500" lnSpcReduction="20000"/>
-          </a:bodyPr>
-          <a:lstStyle/>
-          <a:p>
-            <a:pPr>
-              <a:buFont typeface="Arial" panose="020B0604020202020204" pitchFamily="34" charset="0"/>
-              <a:buChar char="•"/>
-            </a:pPr>
-            <a:r>
-              <a:rPr lang="en-US" dirty="0"/>
-              <a:t>Developing calculations to support setting the design criteria</a:t>
-            </a:r>
-          </a:p>
-          <a:p>
-            <a:pPr>
-              <a:buFont typeface="Arial" panose="020B0604020202020204" pitchFamily="34" charset="0"/>
-              <a:buChar char="•"/>
-            </a:pPr>
-            <a:r>
-              <a:rPr lang="en-US" dirty="0"/>
-              <a:t>Coordinating with vendors relevant to their portion of the plant</a:t>
-            </a:r>
-          </a:p>
-          <a:p>
-            <a:pPr>
-              <a:buFont typeface="Arial" panose="020B0604020202020204" pitchFamily="34" charset="0"/>
-              <a:buChar char="•"/>
-            </a:pPr>
-            <a:r>
-              <a:rPr lang="en-US" dirty="0"/>
-              <a:t>Communicating with other teams about relevant design changes</a:t>
-            </a:r>
-          </a:p>
-          <a:p>
-            <a:pPr>
-              <a:buFont typeface="Arial" panose="020B0604020202020204" pitchFamily="34" charset="0"/>
-              <a:buChar char="•"/>
-            </a:pPr>
-            <a:r>
-              <a:rPr lang="en-US" dirty="0"/>
-              <a:t>Working with CAD drafters to develop relevant portions of construction drawings</a:t>
-            </a:r>
-          </a:p>
-          <a:p>
-            <a:pPr>
-              <a:buFont typeface="Arial" panose="020B0604020202020204" pitchFamily="34" charset="0"/>
-              <a:buChar char="•"/>
-            </a:pPr>
-            <a:r>
-              <a:rPr lang="en-US" dirty="0"/>
-              <a:t>Developing relevant portions of the BODR</a:t>
-            </a:r>
-          </a:p>
-          <a:p>
-            <a:pPr>
-              <a:buFont typeface="Arial" panose="020B0604020202020204" pitchFamily="34" charset="0"/>
-              <a:buChar char="•"/>
-            </a:pPr>
-            <a:r>
-              <a:rPr lang="en-US" dirty="0"/>
-              <a:t>Developing materials to communicate key parts of their design to the client during regular client design meetings</a:t>
-            </a:r>
-          </a:p>
-          <a:p>
-            <a:pPr>
-              <a:buFont typeface="Arial" panose="020B0604020202020204" pitchFamily="34" charset="0"/>
-              <a:buChar char="•"/>
-            </a:pPr>
-            <a:r>
-              <a:rPr lang="en-US" b="1" dirty="0"/>
-              <a:t>Each process team would carry their portion of the design from project kickoff to project completion</a:t>
-            </a:r>
-          </a:p>
-          <a:p>
-            <a:pPr marL="765810" lvl="1" indent="-285750"/>
-            <a:endParaRPr lang="en-US" sz="1800" dirty="0"/>
-          </a:p>
-          <a:p>
-            <a:endParaRPr lang="en-US" sz="1650" dirty="0"/>
-          </a:p>
-          <a:p>
-            <a:pPr>
-              <a:buFont typeface="Arial" panose="020B0604020202020204" pitchFamily="34" charset="0"/>
-              <a:buChar char="•"/>
-            </a:pPr>
-            <a:endParaRPr lang="en-US" sz="1800" dirty="0"/>
-          </a:p>
-          <a:p>
-            <a:pPr>
-              <a:buFont typeface="Arial" panose="020B0604020202020204" pitchFamily="34" charset="0"/>
-              <a:buChar char="•"/>
-            </a:pPr>
-            <a:endParaRPr lang="en-US" sz="1800" dirty="0"/>
-          </a:p>
-          <a:p>
-            <a:pPr>
-              <a:buFont typeface="Arial" panose="020B0604020202020204" pitchFamily="34" charset="0"/>
-              <a:buChar char="•"/>
-            </a:pPr>
-            <a:endParaRPr lang="en-US" sz="1800" dirty="0"/>
-          </a:p>
-          <a:p>
-            <a:pPr>
-              <a:buFont typeface="Arial" panose="020B0604020202020204" pitchFamily="34" charset="0"/>
-              <a:buChar char="•"/>
-            </a:pPr>
-            <a:endParaRPr lang="en-US" sz="1800" dirty="0"/>
-          </a:p>
-          <a:p>
-            <a:endParaRPr lang="en-US" sz="2300" dirty="0"/>
-          </a:p>
-        </p:txBody>
-      </p:sp>
-    </p:spTree>
-    <p:extLst>
-      <p:ext uri="{BB962C8B-B14F-4D97-AF65-F5344CB8AC3E}">
-        <p14:creationId xmlns:p14="http://schemas.microsoft.com/office/powerpoint/2010/main" val="4124965663"/>
-      </p:ext>
-    </p:extLst>
-  </p:cSld>
-  <p:clrMapOvr>
-    <a:masterClrMapping/>
-  </p:clrMapOvr>
-  <p:transition>
-    <p:fade/>
-  </p:transition>
-</p:sld>
-</file>
-
-<file path=ppt/slides/slide8.xml><?xml version="1.0" encoding="utf-8"?>
-<p:sld xmlns:a="http://schemas.openxmlformats.org/drawingml/2006/main" xmlns:r="http://schemas.openxmlformats.org/officeDocument/2006/relationships" xmlns:p="http://schemas.openxmlformats.org/presentationml/2006/main">
-  <p:cSld>
-    <p:spTree>
-      <p:nvGrpSpPr>
-        <p:cNvPr id="1" name=""/>
-        <p:cNvGrpSpPr/>
-        <p:nvPr/>
-      </p:nvGrpSpPr>
-      <p:grpSpPr>
-        <a:xfrm>
-          <a:off x="0" y="0"/>
-          <a:ext cx="0" cy="0"/>
-          <a:chOff x="0" y="0"/>
-          <a:chExt cx="0" cy="0"/>
-        </a:xfrm>
-      </p:grpSpPr>
-      <p:sp>
-        <p:nvSpPr>
-          <p:cNvPr id="4" name="Title 3"/>
-          <p:cNvSpPr>
-            <a:spLocks noGrp="1"/>
-          </p:cNvSpPr>
-          <p:nvPr>
-            <p:ph type="title"/>
-          </p:nvPr>
-        </p:nvSpPr>
-        <p:spPr/>
-        <p:txBody>
-          <a:bodyPr>
-            <a:normAutofit/>
-          </a:bodyPr>
-          <a:lstStyle/>
-          <a:p>
-            <a:r>
-              <a:rPr lang="en-US" dirty="0"/>
-              <a:t>Process Lead and Design Lead Responsibilities</a:t>
-            </a:r>
-          </a:p>
-        </p:txBody>
-      </p:sp>
-      <p:sp>
-        <p:nvSpPr>
-          <p:cNvPr id="7" name="Content Placeholder 2">
-            <a:extLst>
-              <a:ext uri="{FF2B5EF4-FFF2-40B4-BE49-F238E27FC236}">
-                <a16:creationId xmlns:a16="http://schemas.microsoft.com/office/drawing/2014/main" id="{F8D40262-FB10-4771-AFA9-4C4C31B1D47F}"/>
-              </a:ext>
-            </a:extLst>
-          </p:cNvPr>
-          <p:cNvSpPr>
-            <a:spLocks noGrp="1"/>
-          </p:cNvSpPr>
-          <p:nvPr>
-            <p:ph idx="1"/>
-          </p:nvPr>
-        </p:nvSpPr>
-        <p:spPr/>
-        <p:txBody>
-          <a:bodyPr>
-            <a:normAutofit/>
-          </a:bodyPr>
-          <a:lstStyle/>
-          <a:p>
-            <a:pPr marL="285750" indent="-285750">
-              <a:buFont typeface="Arial" panose="020B0604020202020204" pitchFamily="34" charset="0"/>
-              <a:buChar char="•"/>
-            </a:pPr>
-            <a:r>
-              <a:rPr lang="en-US" sz="1800" dirty="0"/>
-              <a:t>Process Lead would coordinate between the different process teams</a:t>
-            </a:r>
-          </a:p>
-          <a:p>
-            <a:pPr marL="765810" lvl="1" indent="-285750"/>
-            <a:r>
-              <a:rPr lang="en-US" sz="1800" dirty="0"/>
-              <a:t>Organize and facilitate process team meetings</a:t>
-            </a:r>
-          </a:p>
-          <a:p>
-            <a:pPr marL="765810" lvl="1" indent="-285750"/>
-            <a:r>
-              <a:rPr lang="en-US" sz="1800" dirty="0"/>
-              <a:t>Make sure that team updates that impact other parts of the design are communicated effectively</a:t>
-            </a:r>
-          </a:p>
-          <a:p>
-            <a:pPr marL="765810" lvl="1" indent="-285750"/>
-            <a:r>
-              <a:rPr lang="en-US" sz="1800" dirty="0"/>
-              <a:t>Review deliverable drafts from process teams and provide feedback</a:t>
-            </a:r>
-          </a:p>
-          <a:p>
-            <a:pPr marL="285750" indent="-285750">
-              <a:buFont typeface="Arial" panose="020B0604020202020204" pitchFamily="34" charset="0"/>
-              <a:buChar char="•"/>
-            </a:pPr>
-            <a:r>
-              <a:rPr lang="en-US" sz="1800" dirty="0"/>
-              <a:t>Design Lead would coordinate between the Process Team and other disciplines</a:t>
-            </a:r>
-          </a:p>
-          <a:p>
-            <a:pPr marL="765810" lvl="1" indent="-285750"/>
-            <a:r>
-              <a:rPr lang="en-US" sz="1800" dirty="0"/>
-              <a:t>Organize and facilitate meetings (and general flow of information) between Process Team and: </a:t>
-            </a:r>
-          </a:p>
-          <a:p>
-            <a:pPr marL="973931" lvl="2" indent="-285750"/>
-            <a:r>
-              <a:rPr lang="en-US" sz="1650" dirty="0"/>
-              <a:t>Civil</a:t>
-            </a:r>
-          </a:p>
-          <a:p>
-            <a:pPr marL="973931" lvl="2" indent="-285750"/>
-            <a:r>
-              <a:rPr lang="en-US" sz="1650" dirty="0"/>
-              <a:t>Structural</a:t>
-            </a:r>
-          </a:p>
-          <a:p>
-            <a:pPr marL="973931" lvl="2" indent="-285750"/>
-            <a:r>
-              <a:rPr lang="en-US" sz="1650" dirty="0"/>
-              <a:t>Instrumentation &amp; Control (I&amp;C)</a:t>
-            </a:r>
-          </a:p>
-          <a:p>
-            <a:pPr marL="973931" lvl="2" indent="-285750"/>
-            <a:r>
-              <a:rPr lang="en-US" sz="1650" dirty="0"/>
-              <a:t>Mechanical</a:t>
-            </a:r>
-          </a:p>
-          <a:p>
-            <a:pPr marL="973931" lvl="2" indent="-285750"/>
-            <a:r>
-              <a:rPr lang="en-US" sz="1650" dirty="0"/>
-              <a:t>Architectural</a:t>
-            </a:r>
-          </a:p>
-          <a:p>
-            <a:pPr marL="973931" lvl="2" indent="-285750"/>
-            <a:r>
-              <a:rPr lang="en-US" sz="1650" dirty="0"/>
-              <a:t>Landscape</a:t>
-            </a:r>
-          </a:p>
-          <a:p>
-            <a:pPr marL="765810" lvl="1" indent="-285750"/>
-            <a:r>
-              <a:rPr lang="en-US" sz="1900" dirty="0"/>
-              <a:t>Coordinate between teams to develop BODR, drawings, specifications, etc.</a:t>
-            </a:r>
-          </a:p>
-          <a:p>
-            <a:pPr>
-              <a:buFont typeface="Arial" panose="020B0604020202020204" pitchFamily="34" charset="0"/>
-              <a:buChar char="•"/>
-            </a:pPr>
-            <a:endParaRPr lang="en-US" sz="1800" dirty="0"/>
-          </a:p>
-          <a:p>
-            <a:pPr>
-              <a:buFont typeface="Arial" panose="020B0604020202020204" pitchFamily="34" charset="0"/>
-              <a:buChar char="•"/>
-            </a:pPr>
-            <a:endParaRPr lang="en-US" sz="1800" dirty="0"/>
-          </a:p>
-          <a:p>
-            <a:pPr>
-              <a:buFont typeface="Arial" panose="020B0604020202020204" pitchFamily="34" charset="0"/>
-              <a:buChar char="•"/>
-            </a:pPr>
-            <a:endParaRPr lang="en-US" sz="1800" dirty="0"/>
-          </a:p>
-          <a:p>
-            <a:pPr>
-              <a:buFont typeface="Arial" panose="020B0604020202020204" pitchFamily="34" charset="0"/>
-              <a:buChar char="•"/>
-            </a:pPr>
-            <a:endParaRPr lang="en-US" sz="1800" dirty="0"/>
-          </a:p>
-          <a:p>
-            <a:endParaRPr lang="en-US" sz="2300" dirty="0"/>
-          </a:p>
-        </p:txBody>
-      </p:sp>
-    </p:spTree>
-    <p:extLst>
-      <p:ext uri="{BB962C8B-B14F-4D97-AF65-F5344CB8AC3E}">
-        <p14:creationId xmlns:p14="http://schemas.microsoft.com/office/powerpoint/2010/main" val="32255108"/>
-      </p:ext>
-    </p:extLst>
-  </p:cSld>
-  <p:clrMapOvr>
-    <a:masterClrMapping/>
-  </p:clrMapOvr>
-  <p:transition>
-    <p:fade/>
-  </p:transition>
+  <p:timing>
+    <p:tnLst>
+      <p:par>
+        <p:cTn id="1" dur="indefinite" restart="never" nodeType="tmRoot"/>
+      </p:par>
+    </p:tnLst>
+  </p:timing>
 </p:sld>
 </file>
 
@@ -10048,7 +9591,7 @@
       </p:grpSpPr>
       <p:sp>
         <p:nvSpPr>
-          <p:cNvPr id="4" name="Title 3"/>
+          <p:cNvPr id="7" name="Title 6"/>
           <p:cNvSpPr>
             <a:spLocks noGrp="1"/>
           </p:cNvSpPr>
@@ -10058,21 +9601,20 @@
         </p:nvSpPr>
         <p:spPr/>
         <p:txBody>
-          <a:bodyPr>
-            <a:normAutofit/>
-          </a:bodyPr>
+          <a:bodyPr/>
           <a:lstStyle/>
           <a:p>
             <a:r>
-              <a:rPr lang="en-US" dirty="0"/>
-              <a:t>Deliverables</a:t>
-            </a:r>
+              <a:rPr lang="en-US" dirty="0" smtClean="0"/>
+              <a:t>Are some teams interested in exploring using potential energy rather than electricity?</a:t>
+            </a:r>
+            <a:endParaRPr lang="en-US" dirty="0"/>
           </a:p>
         </p:txBody>
       </p:sp>
       <p:sp>
         <p:nvSpPr>
-          <p:cNvPr id="3" name="Content Placeholder 2"/>
+          <p:cNvPr id="8" name="Content Placeholder 7"/>
           <p:cNvSpPr>
             <a:spLocks noGrp="1"/>
           </p:cNvSpPr>
@@ -10082,130 +9624,49 @@
         </p:nvSpPr>
         <p:spPr/>
         <p:txBody>
-          <a:bodyPr>
-            <a:normAutofit/>
-          </a:bodyPr>
+          <a:bodyPr/>
           <a:lstStyle/>
           <a:p>
-            <a:pPr marL="285750" indent="-285750">
-              <a:buFont typeface="Arial" panose="020B0604020202020204" pitchFamily="34" charset="0"/>
-              <a:buChar char="•"/>
-            </a:pPr>
-            <a:r>
-              <a:rPr lang="en-US" sz="1800" dirty="0"/>
-              <a:t>Process Design Criteria</a:t>
-            </a:r>
-          </a:p>
-          <a:p>
-            <a:pPr marL="765810" lvl="1" indent="-285750"/>
-            <a:r>
-              <a:rPr lang="en-US" sz="1800" dirty="0"/>
-              <a:t>Water quality (influent and effluent) summary</a:t>
-            </a:r>
-          </a:p>
-          <a:p>
-            <a:pPr marL="765810" lvl="1" indent="-285750"/>
-            <a:r>
-              <a:rPr lang="en-US" sz="1800" dirty="0"/>
-              <a:t>Schematic diagram (Process Flow Diagram [PFD]) </a:t>
-            </a:r>
-          </a:p>
-          <a:p>
-            <a:pPr marL="765810" lvl="1" indent="-285750"/>
-            <a:r>
-              <a:rPr lang="en-US" sz="1800" dirty="0"/>
-              <a:t>Preliminary hydraulic profile</a:t>
-            </a:r>
-          </a:p>
-          <a:p>
-            <a:pPr marL="285750" indent="-285750">
-              <a:buFont typeface="Arial" panose="020B0604020202020204" pitchFamily="34" charset="0"/>
-              <a:buChar char="•"/>
-            </a:pPr>
-            <a:r>
-              <a:rPr lang="en-US" sz="1800" dirty="0"/>
-              <a:t>Basis of Design Report (BODR) and 30% Design</a:t>
-            </a:r>
-          </a:p>
-          <a:p>
-            <a:pPr marL="765810" lvl="1" indent="-285750"/>
-            <a:r>
-              <a:rPr lang="en-US" sz="1800" dirty="0"/>
-              <a:t>Description and design criteria for each treatment process</a:t>
-            </a:r>
-          </a:p>
-          <a:p>
-            <a:pPr marL="765810" lvl="1" indent="-285750"/>
-            <a:r>
-              <a:rPr lang="en-US" sz="1800" dirty="0"/>
-              <a:t>Final hydraulic profile</a:t>
-            </a:r>
-          </a:p>
-          <a:p>
-            <a:pPr marL="765810" lvl="1" indent="-285750"/>
-            <a:r>
-              <a:rPr lang="en-US" sz="1800" dirty="0"/>
-              <a:t>Preliminary site layouts</a:t>
-            </a:r>
-          </a:p>
-          <a:p>
-            <a:pPr marL="765810" lvl="1" indent="-285750"/>
-            <a:r>
-              <a:rPr lang="en-US" sz="1800" dirty="0"/>
-              <a:t>Supporting calculations and product datasheets</a:t>
-            </a:r>
-          </a:p>
-          <a:p>
-            <a:pPr marL="285750" indent="-285750">
-              <a:buFont typeface="Arial" panose="020B0604020202020204" pitchFamily="34" charset="0"/>
-              <a:buChar char="•"/>
-            </a:pPr>
-            <a:r>
-              <a:rPr lang="en-US" sz="1800" dirty="0"/>
-              <a:t>60% Design, 90% Design, 100% Design, and Final Design would come later…</a:t>
-            </a:r>
-          </a:p>
-          <a:p>
-            <a:pPr marL="765810" lvl="1" indent="-285750"/>
-            <a:endParaRPr lang="en-US" sz="1800" dirty="0"/>
-          </a:p>
-          <a:p>
-            <a:pPr>
-              <a:buFont typeface="Arial" panose="020B0604020202020204" pitchFamily="34" charset="0"/>
-              <a:buChar char="•"/>
-            </a:pPr>
-            <a:endParaRPr lang="en-US" sz="1800" dirty="0"/>
-          </a:p>
-          <a:p>
-            <a:pPr>
-              <a:buFont typeface="Arial" panose="020B0604020202020204" pitchFamily="34" charset="0"/>
-              <a:buChar char="•"/>
-            </a:pPr>
-            <a:endParaRPr lang="en-US" sz="1800" dirty="0"/>
-          </a:p>
-          <a:p>
-            <a:pPr>
-              <a:buFont typeface="Arial" panose="020B0604020202020204" pitchFamily="34" charset="0"/>
-              <a:buChar char="•"/>
-            </a:pPr>
-            <a:endParaRPr lang="en-US" sz="1800" dirty="0"/>
-          </a:p>
-          <a:p>
-            <a:pPr>
-              <a:buFont typeface="Arial" panose="020B0604020202020204" pitchFamily="34" charset="0"/>
-              <a:buChar char="•"/>
-            </a:pPr>
-            <a:endParaRPr lang="en-US" sz="1800" dirty="0"/>
-          </a:p>
-          <a:p>
-            <a:endParaRPr lang="en-US" sz="2300" dirty="0"/>
+            <a:r>
+              <a:rPr lang="en-US" dirty="0" smtClean="0"/>
+              <a:t>We can spend more time exploring alternatives (and innovating)</a:t>
+            </a:r>
+          </a:p>
+          <a:p>
+            <a:r>
+              <a:rPr lang="en-US" dirty="0" smtClean="0"/>
+              <a:t>Mechanized sludge removal systems create significant maintenance issues</a:t>
+            </a:r>
+          </a:p>
+          <a:p>
+            <a:r>
+              <a:rPr lang="en-US" dirty="0" smtClean="0"/>
+              <a:t>Rapid mix is of questionable utility (EXCEPT that large scale mixing with the flow is ESSENTIAL before dividing the flow into different </a:t>
+            </a:r>
+            <a:r>
+              <a:rPr lang="en-US" dirty="0" err="1" smtClean="0"/>
+              <a:t>flocculators</a:t>
+            </a:r>
+            <a:r>
+              <a:rPr lang="en-US" dirty="0" smtClean="0"/>
+              <a:t>)</a:t>
+            </a:r>
+          </a:p>
+          <a:p>
+            <a:r>
+              <a:rPr lang="en-US" dirty="0" smtClean="0"/>
+              <a:t>Every moving part is requires maintenance</a:t>
+            </a:r>
+          </a:p>
+          <a:p>
+            <a:endParaRPr lang="en-US" dirty="0"/>
           </a:p>
         </p:txBody>
       </p:sp>
     </p:spTree>
     <p:extLst>
       <p:ext uri="{BB962C8B-B14F-4D97-AF65-F5344CB8AC3E}">
-        <p14:creationId xmlns:p14="http://schemas.microsoft.com/office/powerpoint/2010/main" val="2485710306"/>
+        <p14:creationId xmlns:p14="http://schemas.microsoft.com/office/powerpoint/2010/main" val="4016485504"/>
       </p:ext>
     </p:extLst>
   </p:cSld>
@@ -10215,6 +9676,13 @@
   <p:transition>
     <p:fade/>
   </p:transition>
+  <p:timing>
+    <p:tnLst>
+      <p:par>
+        <p:cTn id="1" dur="indefinite" restart="never" nodeType="tmRoot"/>
+      </p:par>
+    </p:tnLst>
+  </p:timing>
 </p:sld>
 </file>
 
